--- a/presentation/decks/LLaDA/LLaDA_ja.pptx
+++ b/presentation/decks/LLaDA/LLaDA_ja.pptx
@@ -318,7 +318,7 @@
           <a:p>
             <a:fld id="{231D2103-A3C8-274D-80F3-108711FD1DDB}" type="datetime1">
               <a:rPr lang="en-US" smtClean="0"/>
-              <a:t>2/8/26</a:t>
+              <a:t>2/9/26</a:t>
             </a:fld>
             <a:endParaRPr lang="en-US"/>
           </a:p>
@@ -486,7 +486,7 @@
           <a:p>
             <a:fld id="{7365EA42-C278-2B40-AF87-894DFC589EFD}" type="datetime1">
               <a:rPr lang="en-US" smtClean="0"/>
-              <a:t>2/8/26</a:t>
+              <a:t>2/9/26</a:t>
             </a:fld>
             <a:endParaRPr lang="en-US"/>
           </a:p>
@@ -664,7 +664,7 @@
           <a:p>
             <a:fld id="{FDA60C63-0224-A147-B8C3-5898ED2FF34C}" type="datetime1">
               <a:rPr lang="en-US" smtClean="0"/>
-              <a:t>2/8/26</a:t>
+              <a:t>2/9/26</a:t>
             </a:fld>
             <a:endParaRPr lang="en-US"/>
           </a:p>
@@ -754,8 +754,8 @@
         </p:nvSpPr>
         <p:spPr>
           <a:xfrm>
-            <a:off x="457200" y="205979"/>
-            <a:ext cx="8229600" cy="640408"/>
+            <a:off x="457200" y="102393"/>
+            <a:ext cx="8229600" cy="585296"/>
           </a:xfrm>
         </p:spPr>
         <p:txBody>
@@ -785,15 +785,15 @@
         </p:nvSpPr>
         <p:spPr>
           <a:xfrm>
-            <a:off x="457200" y="952185"/>
-            <a:ext cx="8229600" cy="3642438"/>
+            <a:off x="457200" y="687689"/>
+            <a:ext cx="8229600" cy="3906933"/>
           </a:xfrm>
         </p:spPr>
         <p:txBody>
           <a:bodyPr/>
           <a:lstStyle>
             <a:lvl1pPr>
-              <a:defRPr sz="2000"/>
+              <a:defRPr sz="1900"/>
             </a:lvl1pPr>
             <a:lvl2pPr>
               <a:defRPr sz="1800"/>
@@ -862,7 +862,7 @@
           <a:p>
             <a:fld id="{CA617E99-6077-1E46-9AEF-B595EE5EEB45}" type="datetime1">
               <a:rPr lang="en-US" smtClean="0"/>
-              <a:t>2/8/26</a:t>
+              <a:t>2/9/26</a:t>
             </a:fld>
             <a:endParaRPr lang="en-US"/>
           </a:p>
@@ -1107,7 +1107,7 @@
           <a:p>
             <a:fld id="{FDCFEB79-D017-B344-AADA-3FCDA11E40AC}" type="datetime1">
               <a:rPr lang="en-US" smtClean="0"/>
-              <a:t>2/8/26</a:t>
+              <a:t>2/9/26</a:t>
             </a:fld>
             <a:endParaRPr lang="en-US"/>
           </a:p>
@@ -1396,7 +1396,7 @@
           <a:p>
             <a:fld id="{FE14A905-8617-1A44-930C-8277174A5DC6}" type="datetime1">
               <a:rPr lang="en-US" smtClean="0"/>
-              <a:t>2/8/26</a:t>
+              <a:t>2/9/26</a:t>
             </a:fld>
             <a:endParaRPr lang="en-US"/>
           </a:p>
@@ -1820,7 +1820,7 @@
           <a:p>
             <a:fld id="{97FAB6E2-9383-1D43-9902-61ED3FD90156}" type="datetime1">
               <a:rPr lang="en-US" smtClean="0"/>
-              <a:t>2/8/26</a:t>
+              <a:t>2/9/26</a:t>
             </a:fld>
             <a:endParaRPr lang="en-US"/>
           </a:p>
@@ -1943,7 +1943,7 @@
           <a:p>
             <a:fld id="{1D17C6E3-F6D7-2042-BF49-2A03AC5D294E}" type="datetime1">
               <a:rPr lang="en-US" smtClean="0"/>
-              <a:t>2/8/26</a:t>
+              <a:t>2/9/26</a:t>
             </a:fld>
             <a:endParaRPr lang="en-US"/>
           </a:p>
@@ -2038,7 +2038,7 @@
           <a:p>
             <a:fld id="{395135CD-FE5A-6241-A0D5-5F8D2149AA6D}" type="datetime1">
               <a:rPr lang="en-US" smtClean="0"/>
-              <a:t>2/8/26</a:t>
+              <a:t>2/9/26</a:t>
             </a:fld>
             <a:endParaRPr lang="en-US"/>
           </a:p>
@@ -2313,7 +2313,7 @@
           <a:p>
             <a:fld id="{86097BBA-F049-244B-AD7E-EEBE0D5BD018}" type="datetime1">
               <a:rPr lang="en-US" smtClean="0"/>
-              <a:t>2/8/26</a:t>
+              <a:t>2/9/26</a:t>
             </a:fld>
             <a:endParaRPr lang="en-US"/>
           </a:p>
@@ -2565,7 +2565,7 @@
           <a:p>
             <a:fld id="{C8B43509-F259-4C45-9B66-8D0CAE6DF935}" type="datetime1">
               <a:rPr lang="en-US" smtClean="0"/>
-              <a:t>2/8/26</a:t>
+              <a:t>2/9/26</a:t>
             </a:fld>
             <a:endParaRPr lang="en-US"/>
           </a:p>
@@ -2776,7 +2776,7 @@
           <a:p>
             <a:fld id="{98359F6F-14C3-4744-BF6B-F86F388A0C1C}" type="datetime1">
               <a:rPr lang="en-US" smtClean="0"/>
-              <a:t>2/8/26</a:t>
+              <a:t>2/9/26</a:t>
             </a:fld>
             <a:endParaRPr lang="en-US"/>
           </a:p>
@@ -3311,7 +3311,7 @@
             <a:pPr lvl="0"/>
             <a:r>
               <a:rPr/>
-              <a:t>LLaDA 8B は MMLU (65.9)、TruthfulQA (46.1)、Math (31.4) で </a:t>
+              <a:t>LLaDA 8B Base は MMLU (65.9)、TruthfulQA (46.1)、Math (31.4) などで </a:t>
             </a:r>
             <a:r>
               <a:rPr b="1"/>
@@ -3322,7 +3322,7 @@
             <a:pPr lvl="0"/>
             <a:r>
               <a:rPr/>
-              <a:t>CMMLU (69.9)、C-Eval (70.5) の中国語タスクでも最高スコア</a:t>
+              <a:t>CMMLU (69.9)、C-Eval (70.5) の中国語タスクで最高スコア</a:t>
             </a:r>
           </a:p>
           <a:p>
@@ -3487,14 +3487,14 @@
             <a:pPr lvl="0"/>
             <a:r>
               <a:rPr/>
-              <a:t>SFTのみ (4.5Mペア、RLなし) でも多くのタスクで競争力のある性能</a:t>
+              <a:t>SFTのみ (4.5Mペア、RLなし) ではほとんどの下流タスクで性能改善</a:t>
             </a:r>
           </a:p>
           <a:p>
             <a:pPr lvl="0"/>
             <a:r>
               <a:rPr/>
-              <a:t>ARC-C (88.5) で全モデル中最高スコアを達成</a:t>
+              <a:t>ARC-C (88.5) で全モデル中最高スコア</a:t>
             </a:r>
           </a:p>
           <a:p>
@@ -3502,6 +3502,13 @@
             <a:r>
               <a:rPr/>
               <a:t>GPQA (33.3)、Math (31.9) で LLaMA3 8B Instruct を上回る</a:t>
+            </a:r>
+          </a:p>
+          <a:p>
+            <a:pPr lvl="0"/>
+            <a:r>
+              <a:rPr/>
+              <a:t>MMLU は低下するおり、SFTデータ品質が最適でない可能性が示唆されている</a:t>
             </a:r>
           </a:p>
         </p:txBody>
@@ -3659,7 +3666,14 @@
             <a:pPr lvl="0"/>
             <a:r>
               <a:rPr/>
-              <a:t>左: Base モデル、右: Instruct モデルのレーダーチャート - LLaDA 8B は Base・Instruct ともに LLaMA2 7B を大きく上回り、LLaMA3 8B と同等の領域に到達</a:t>
+              <a:t>左: Base モデル、右: Instruct モデルのレーダーチャート</a:t>
+            </a:r>
+          </a:p>
+          <a:p>
+            <a:pPr lvl="0"/>
+            <a:r>
+              <a:rPr/>
+              <a:t>LLaDA 8B は Base・Instruct ともに LLaMA2 7B を大きく上回り、LLaMA3 8B と同等</a:t>
             </a:r>
           </a:p>
         </p:txBody>
@@ -3989,14 +4003,14 @@
             <a:pPr lvl="0"/>
             <a:r>
               <a:rPr/>
-              <a:t>数学問題に対し、複数ステップで徐々にトークンが確定していく様子</a:t>
+              <a:t>数学問題に対し、複数ステップで徐々にトークンが確定していく様子(暗いほど後のステップ)</a:t>
             </a:r>
           </a:p>
           <a:p>
             <a:pPr lvl="0"/>
             <a:r>
               <a:rPr/>
-              <a:t>マルチターン対話も適切に処理可能（翻訳、詩の生成など）</a:t>
+              <a:t>マルチターンの対話も適切に処理可能（翻訳、詩の生成など）</a:t>
             </a:r>
           </a:p>
         </p:txBody>
@@ -4118,8 +4132,8 @@
         </p:nvSpPr>
         <p:spPr>
           <a:xfrm>
-            <a:off x="457200" y="205979"/>
-            <a:ext cx="8229600" cy="640408"/>
+            <a:off x="457200" y="102393"/>
+            <a:ext cx="8229600" cy="585296"/>
           </a:xfrm>
         </p:spPr>
         <p:txBody>
@@ -4158,7 +4172,14 @@
             </a:r>
             <a:r>
               <a:rPr/>
-              <a:t>: 出力トークン数をユーザーが指定する必要があり、適応的な長さ決定機構がない</a:t>
+              <a:t>: 生成長をハイパーパラメータとして与える必要があり、適応的な長さ決定機構がない</a:t>
+            </a:r>
+          </a:p>
+          <a:p>
+            <a:pPr lvl="1"/>
+            <a:r>
+              <a:rPr/>
+              <a:t>ただし可変長データで学習しており、設定した長さへの感度は大きくない（生成後にEOS以降を破棄できる）</a:t>
             </a:r>
           </a:p>
           <a:p>
@@ -4180,14 +4201,14 @@
             </a:r>
             <a:r>
               <a:rPr/>
-              <a:t>: MDM専用の attention 機構や KV キャッシュ等の最適化が未導入</a:t>
+              <a:t>: MDM専用のattention機構やKV cache等の最適化が未導入</a:t>
             </a:r>
           </a:p>
           <a:p>
             <a:pPr lvl="1"/>
             <a:r>
               <a:rPr/>
-              <a:t>ARMでは標準的な KV キャッシュが使えるが、双方向 attention では適用困難</a:t>
+              <a:t>全文を同時更新するので、自己回帰みたいにprefixを固定してのcacheが効きにくい</a:t>
             </a:r>
           </a:p>
           <a:p>
@@ -4282,8 +4303,8 @@
         </p:nvSpPr>
         <p:spPr>
           <a:xfrm>
-            <a:off x="457200" y="205979"/>
-            <a:ext cx="8229600" cy="640408"/>
+            <a:off x="457200" y="102393"/>
+            <a:ext cx="8229600" cy="585296"/>
           </a:xfrm>
         </p:spPr>
         <p:txBody>
@@ -4410,8 +4431,8 @@
         </p:nvSpPr>
         <p:spPr>
           <a:xfrm>
-            <a:off x="457200" y="205979"/>
-            <a:ext cx="8229600" cy="640408"/>
+            <a:off x="457200" y="102393"/>
+            <a:ext cx="8229600" cy="585296"/>
           </a:xfrm>
         </p:spPr>
         <p:txBody>
@@ -4518,8 +4539,8 @@
         </p:nvSpPr>
         <p:spPr>
           <a:xfrm>
-            <a:off x="457200" y="205979"/>
-            <a:ext cx="8229600" cy="640408"/>
+            <a:off x="457200" y="102393"/>
+            <a:ext cx="8229600" cy="585296"/>
           </a:xfrm>
         </p:spPr>
         <p:txBody>
@@ -4590,7 +4611,7 @@
             <a:pPr lvl="1"/>
             <a:r>
               <a:rPr/>
-              <a:t>連続拡散モデル (MDLM 等) はARMの約64倍の計算時間を要する</a:t>
+              <a:t>連続拡散モデルは計算が重い（e.g. 1BモデルでARM同等性能に64×）</a:t>
             </a:r>
           </a:p>
           <a:p>
@@ -4659,8 +4680,8 @@
         </p:nvSpPr>
         <p:spPr>
           <a:xfrm>
-            <a:off x="457200" y="205979"/>
-            <a:ext cx="8229600" cy="640408"/>
+            <a:off x="457200" y="102393"/>
+            <a:ext cx="8229600" cy="585296"/>
           </a:xfrm>
         </p:spPr>
         <p:txBody>
@@ -4712,10 +4733,6 @@
               <a:rPr b="1"/>
               <a:t>LLaMA3 8B に匹敵する性能</a:t>
             </a:r>
-            <a:r>
-              <a:rPr/>
-              <a:t> を達成</a:t>
-            </a:r>
           </a:p>
           <a:p>
             <a:pPr lvl="0"/>
@@ -4758,7 +4775,7 @@
             </a:r>
             <a:r>
               <a:rPr/>
-              <a:t> 手法を提案し、指示追従能力を付与</a:t>
+              <a:t> 手法を提案し、Instruction Followingを強化</a:t>
             </a:r>
           </a:p>
         </p:txBody>
@@ -4833,7 +4850,7 @@
             </a:pPr>
             <a:r>
               <a:rPr/>
-              <a:t>核となるアイデア</a:t>
+              <a:t>アイデア</a:t>
             </a:r>
           </a:p>
         </p:txBody>
@@ -4867,7 +4884,7 @@
             </a:pPr>
             <a:r>
               <a:rPr/>
-              <a:t>指示追従 (SFT): プロンプト部分はマスクせず、応答部分のみをマスクして学習</a:t>
+              <a:t>SFT: プロンプト部分はマスクせず、応答部分のみをマスクして学習</a:t>
             </a:r>
           </a:p>
           <a:p>
@@ -4876,7 +4893,7 @@
             </a:pPr>
             <a:r>
               <a:rPr/>
-              <a:t>推論: 全トークンがマスクされた状態から、段階的にマスクを除去して文章を生成</a:t>
+              <a:t>推論: 全トークンがマスクされた状態から、段階的にマスクを除去して文章を生成。その際、一様な確率で再度マスクする処理を加える</a:t>
             </a:r>
           </a:p>
         </p:txBody>
@@ -4998,8 +5015,8 @@
         </p:nvSpPr>
         <p:spPr>
           <a:xfrm>
-            <a:off x="457200" y="205979"/>
-            <a:ext cx="8229600" cy="640408"/>
+            <a:off x="457200" y="102393"/>
+            <a:ext cx="8229600" cy="585296"/>
           </a:xfrm>
         </p:spPr>
         <p:txBody>
@@ -5105,6 +5122,155 @@
                 </a:r>
               </a:p>
               <a:p>
+                <a:pPr lvl="0"/>
+                <a:r>
+                  <a:rPr/>
+                  <a:t>ある </a:t>
+                </a:r>
+                <a14:m>
+                  <m:oMath xmlns:m="http://schemas.openxmlformats.org/officeDocument/2006/math">
+                    <m:r>
+                      <m:t>t</m:t>
+                    </m:r>
+                    <m:r>
+                      <m:rPr>
+                        <m:sty m:val="p"/>
+                      </m:rPr>
+                      <m:t>∈</m:t>
+                    </m:r>
+                    <m:d>
+                      <m:dPr>
+                        <m:begChr m:val="("/>
+                        <m:sepChr m:val=""/>
+                        <m:endChr m:val=")"/>
+                        <m:grow/>
+                      </m:dPr>
+                      <m:e>
+                        <m:r>
+                          <m:t>0</m:t>
+                        </m:r>
+                        <m:r>
+                          <m:rPr>
+                            <m:sty m:val="p"/>
+                          </m:rPr>
+                          <m:t>,</m:t>
+                        </m:r>
+                        <m:r>
+                          <m:t>1</m:t>
+                        </m:r>
+                      </m:e>
+                    </m:d>
+                  </m:oMath>
+                </a14:m>
+                <a:r>
+                  <a:rPr/>
+                  <a:t> を固定したとき、各位置 </a:t>
+                </a:r>
+                <a14:m>
+                  <m:oMath xmlns:m="http://schemas.openxmlformats.org/officeDocument/2006/math">
+                    <m:r>
+                      <m:t>i</m:t>
+                    </m:r>
+                  </m:oMath>
+                </a14:m>
+                <a:r>
+                  <a:rPr/>
+                  <a:t> について </a:t>
+                </a:r>
+                <a14:m>
+                  <m:oMath xmlns:m="http://schemas.openxmlformats.org/officeDocument/2006/math">
+                    <m:sSubSup>
+                      <m:e>
+                        <m:r>
+                          <m:t>x</m:t>
+                        </m:r>
+                      </m:e>
+                      <m:sub>
+                        <m:r>
+                          <m:t>t</m:t>
+                        </m:r>
+                      </m:sub>
+                      <m:sup>
+                        <m:r>
+                          <m:t>i</m:t>
+                        </m:r>
+                      </m:sup>
+                    </m:sSubSup>
+                  </m:oMath>
+                </a14:m>
+                <a:r>
+                  <a:rPr/>
+                  <a:t> は確率 </a:t>
+                </a:r>
+                <a14:m>
+                  <m:oMath xmlns:m="http://schemas.openxmlformats.org/officeDocument/2006/math">
+                    <m:r>
+                      <m:t>t</m:t>
+                    </m:r>
+                  </m:oMath>
+                </a14:m>
+                <a:r>
+                  <a:rPr/>
+                  <a:t> で </a:t>
+                </a:r>
+                <a14:m>
+                  <m:oMath xmlns:m="http://schemas.openxmlformats.org/officeDocument/2006/math">
+                    <m:r>
+                      <m:t>M</m:t>
+                    </m:r>
+                  </m:oMath>
+                </a14:m>
+                <a:r>
+                  <a:rPr/>
+                  <a:t> になり、確率 </a:t>
+                </a:r>
+                <a14:m>
+                  <m:oMath xmlns:m="http://schemas.openxmlformats.org/officeDocument/2006/math">
+                    <m:r>
+                      <m:t>1</m:t>
+                    </m:r>
+                    <m:r>
+                      <m:rPr>
+                        <m:sty m:val="p"/>
+                      </m:rPr>
+                      <m:t>−</m:t>
+                    </m:r>
+                    <m:r>
+                      <m:t>t</m:t>
+                    </m:r>
+                  </m:oMath>
+                </a14:m>
+                <a:r>
+                  <a:rPr/>
+                  <a:t> で </a:t>
+                </a:r>
+                <a14:m>
+                  <m:oMath xmlns:m="http://schemas.openxmlformats.org/officeDocument/2006/math">
+                    <m:sSubSup>
+                      <m:e>
+                        <m:r>
+                          <m:t>x</m:t>
+                        </m:r>
+                      </m:e>
+                      <m:sub>
+                        <m:r>
+                          <m:t>0</m:t>
+                        </m:r>
+                      </m:sub>
+                      <m:sup>
+                        <m:r>
+                          <m:t>i</m:t>
+                        </m:r>
+                      </m:sup>
+                    </m:sSubSup>
+                  </m:oMath>
+                </a14:m>
+                <a:r>
+                  <a:rPr/>
+                  <a:t> のまま残る</a:t>
+                </a:r>
+              </a:p>
+              <a:p>
                 <a:pPr lvl="1"/>
                 <a:r>
                   <a:rPr/>
@@ -5182,355 +5348,15 @@
                 <a:pPr lvl="0"/>
                 <a:r>
                   <a:rPr/>
-                  <a:t>遷移確率: </a:t>
+                  <a:t>“diffusion”とついているが、各ステップでガウシアンノイズを足していく連続拡散モデル（DDPM等）とは異なる</a:t>
                 </a:r>
-                <a14:m>
-                  <m:oMath xmlns:m="http://schemas.openxmlformats.org/officeDocument/2006/math">
-                    <m:r>
-                      <m:t>q</m:t>
-                    </m:r>
-                    <m:d>
-                      <m:dPr>
-                        <m:begChr m:val="("/>
-                        <m:sepChr m:val=""/>
-                        <m:endChr m:val=")"/>
-                        <m:grow/>
-                      </m:dPr>
-                      <m:e>
-                        <m:sSub>
-                          <m:e>
-                            <m:r>
-                              <m:rPr>
-                                <m:sty m:val="b"/>
-                              </m:rPr>
-                              <m:t>x</m:t>
-                            </m:r>
-                          </m:e>
-                          <m:sub>
-                            <m:r>
-                              <m:t>t</m:t>
-                            </m:r>
-                          </m:sub>
-                        </m:sSub>
-                        <m:r>
-                          <m:rPr>
-                            <m:sty m:val="p"/>
-                          </m:rPr>
-                          <m:t>|</m:t>
-                        </m:r>
-                        <m:sSub>
-                          <m:e>
-                            <m:r>
-                              <m:rPr>
-                                <m:sty m:val="b"/>
-                              </m:rPr>
-                              <m:t>x</m:t>
-                            </m:r>
-                          </m:e>
-                          <m:sub>
-                            <m:r>
-                              <m:t>0</m:t>
-                            </m:r>
-                          </m:sub>
-                        </m:sSub>
-                      </m:e>
-                    </m:d>
-                    <m:r>
-                      <m:rPr>
-                        <m:sty m:val="p"/>
-                      </m:rPr>
-                      <m:t>=</m:t>
-                    </m:r>
-                    <m:nary>
-                      <m:naryPr>
-                        <m:chr m:val="∏"/>
-                        <m:limLoc m:val="undOvr"/>
-                        <m:subHide m:val="off"/>
-                        <m:supHide m:val="on"/>
-                      </m:naryPr>
-                      <m:sub>
-                        <m:r>
-                          <m:t>i</m:t>
-                        </m:r>
-                      </m:sub>
-                      <m:sup>
-                        <m:r>
-                          <m:t>​</m:t>
-                        </m:r>
-                      </m:sup>
-                      <m:e>
-                        <m:r>
-                          <m:t>q</m:t>
-                        </m:r>
-                      </m:e>
-                    </m:nary>
-                    <m:d>
-                      <m:dPr>
-                        <m:begChr m:val="("/>
-                        <m:sepChr m:val=""/>
-                        <m:endChr m:val=")"/>
-                        <m:grow/>
-                      </m:dPr>
-                      <m:e>
-                        <m:sSubSup>
-                          <m:e>
-                            <m:r>
-                              <m:t>x</m:t>
-                            </m:r>
-                          </m:e>
-                          <m:sub>
-                            <m:r>
-                              <m:t>t</m:t>
-                            </m:r>
-                          </m:sub>
-                          <m:sup>
-                            <m:r>
-                              <m:t>i</m:t>
-                            </m:r>
-                          </m:sup>
-                        </m:sSubSup>
-                        <m:r>
-                          <m:rPr>
-                            <m:sty m:val="p"/>
-                          </m:rPr>
-                          <m:t>|</m:t>
-                        </m:r>
-                        <m:sSubSup>
-                          <m:e>
-                            <m:r>
-                              <m:t>x</m:t>
-                            </m:r>
-                          </m:e>
-                          <m:sub>
-                            <m:r>
-                              <m:t>0</m:t>
-                            </m:r>
-                          </m:sub>
-                          <m:sup>
-                            <m:r>
-                              <m:t>i</m:t>
-                            </m:r>
-                          </m:sup>
-                        </m:sSubSup>
-                      </m:e>
-                    </m:d>
-                  </m:oMath>
-                </a14:m>
               </a:p>
               <a:p>
                 <a:pPr lvl="1"/>
-                <a14:m>
-                  <m:oMath xmlns:m="http://schemas.openxmlformats.org/officeDocument/2006/math">
-                    <m:r>
-                      <m:t>q</m:t>
-                    </m:r>
-                    <m:d>
-                      <m:dPr>
-                        <m:begChr m:val="("/>
-                        <m:sepChr m:val=""/>
-                        <m:endChr m:val=")"/>
-                        <m:grow/>
-                      </m:dPr>
-                      <m:e>
-                        <m:sSubSup>
-                          <m:e>
-                            <m:r>
-                              <m:t>x</m:t>
-                            </m:r>
-                          </m:e>
-                          <m:sub>
-                            <m:r>
-                              <m:t>t</m:t>
-                            </m:r>
-                          </m:sub>
-                          <m:sup>
-                            <m:r>
-                              <m:t>i</m:t>
-                            </m:r>
-                          </m:sup>
-                        </m:sSubSup>
-                        <m:r>
-                          <m:rPr>
-                            <m:sty m:val="p"/>
-                          </m:rPr>
-                          <m:t>|</m:t>
-                        </m:r>
-                        <m:sSubSup>
-                          <m:e>
-                            <m:r>
-                              <m:t>x</m:t>
-                            </m:r>
-                          </m:e>
-                          <m:sub>
-                            <m:r>
-                              <m:t>0</m:t>
-                            </m:r>
-                          </m:sub>
-                          <m:sup>
-                            <m:r>
-                              <m:t>i</m:t>
-                            </m:r>
-                          </m:sup>
-                        </m:sSubSup>
-                      </m:e>
-                    </m:d>
-                    <m:r>
-                      <m:rPr>
-                        <m:sty m:val="p"/>
-                      </m:rPr>
-                      <m:t>=</m:t>
-                    </m:r>
-                    <m:d>
-                      <m:dPr>
-                        <m:begChr m:val="("/>
-                        <m:sepChr m:val=""/>
-                        <m:endChr m:val=")"/>
-                        <m:grow/>
-                      </m:dPr>
-                      <m:e>
-                        <m:r>
-                          <m:t>1</m:t>
-                        </m:r>
-                        <m:r>
-                          <m:rPr>
-                            <m:sty m:val="p"/>
-                          </m:rPr>
-                          <m:t>−</m:t>
-                        </m:r>
-                        <m:r>
-                          <m:t>t</m:t>
-                        </m:r>
-                      </m:e>
-                    </m:d>
-                    <m:r>
-                      <m:rPr>
-                        <m:sty m:val="p"/>
-                      </m:rPr>
-                      <m:t>⋅</m:t>
-                    </m:r>
-                    <m:r>
-                      <m:t>δ</m:t>
-                    </m:r>
-                    <m:d>
-                      <m:dPr>
-                        <m:begChr m:val="("/>
-                        <m:sepChr m:val=""/>
-                        <m:endChr m:val=")"/>
-                        <m:grow/>
-                      </m:dPr>
-                      <m:e>
-                        <m:sSubSup>
-                          <m:e>
-                            <m:r>
-                              <m:t>x</m:t>
-                            </m:r>
-                          </m:e>
-                          <m:sub>
-                            <m:r>
-                              <m:t>t</m:t>
-                            </m:r>
-                          </m:sub>
-                          <m:sup>
-                            <m:r>
-                              <m:t>i</m:t>
-                            </m:r>
-                          </m:sup>
-                        </m:sSubSup>
-                        <m:r>
-                          <m:rPr>
-                            <m:sty m:val="p"/>
-                          </m:rPr>
-                          <m:t>,</m:t>
-                        </m:r>
-                        <m:sSubSup>
-                          <m:e>
-                            <m:r>
-                              <m:t>x</m:t>
-                            </m:r>
-                          </m:e>
-                          <m:sub>
-                            <m:r>
-                              <m:t>0</m:t>
-                            </m:r>
-                          </m:sub>
-                          <m:sup>
-                            <m:r>
-                              <m:t>i</m:t>
-                            </m:r>
-                          </m:sup>
-                        </m:sSubSup>
-                      </m:e>
-                    </m:d>
-                    <m:r>
-                      <m:rPr>
-                        <m:sty m:val="p"/>
-                      </m:rPr>
-                      <m:t>+</m:t>
-                    </m:r>
-                    <m:r>
-                      <m:t>t</m:t>
-                    </m:r>
-                    <m:r>
-                      <m:rPr>
-                        <m:sty m:val="p"/>
-                      </m:rPr>
-                      <m:t>⋅</m:t>
-                    </m:r>
-                    <m:r>
-                      <m:t>δ</m:t>
-                    </m:r>
-                    <m:d>
-                      <m:dPr>
-                        <m:begChr m:val="("/>
-                        <m:sepChr m:val=""/>
-                        <m:endChr m:val=")"/>
-                        <m:grow/>
-                      </m:dPr>
-                      <m:e>
-                        <m:sSubSup>
-                          <m:e>
-                            <m:r>
-                              <m:t>x</m:t>
-                            </m:r>
-                          </m:e>
-                          <m:sub>
-                            <m:r>
-                              <m:t>t</m:t>
-                            </m:r>
-                          </m:sub>
-                          <m:sup>
-                            <m:r>
-                              <m:t>i</m:t>
-                            </m:r>
-                          </m:sup>
-                        </m:sSubSup>
-                        <m:r>
-                          <m:rPr>
-                            <m:sty m:val="p"/>
-                          </m:rPr>
-                          <m:t>,</m:t>
-                        </m:r>
-                        <m:d>
-                          <m:dPr>
-                            <m:begChr m:val="["/>
-                            <m:sepChr m:val=""/>
-                            <m:endChr m:val="]"/>
-                            <m:grow/>
-                          </m:dPr>
-                          <m:e>
-                            <m:r>
-                              <m:rPr>
-                                <m:nor/>
-                                <m:sty m:val="p"/>
-                              </m:rPr>
-                              <m:t>MASK</m:t>
-                            </m:r>
-                          </m:e>
-                        </m:d>
-                      </m:e>
-                    </m:d>
-                  </m:oMath>
-                </a14:m>
+                <a:r>
+                  <a:rPr/>
+                  <a:t>Forward Processが離散的</a:t>
+                </a:r>
               </a:p>
             </p:txBody>
           </p:sp>
@@ -5593,8 +5419,8 @@
         </p:nvSpPr>
         <p:spPr>
           <a:xfrm>
-            <a:off x="457200" y="205979"/>
-            <a:ext cx="8229600" cy="640408"/>
+            <a:off x="457200" y="102393"/>
+            <a:ext cx="8229600" cy="585296"/>
           </a:xfrm>
         </p:spPr>
         <p:txBody>
@@ -5704,7 +5530,7 @@
                 <a:pPr lvl="0"/>
                 <a:r>
                   <a:rPr/>
-                  <a:t>推論時の手順:</a:t>
+                  <a:t>推論時の手順</a:t>
                 </a:r>
               </a:p>
               <a:p>
@@ -5750,7 +5576,7 @@
                 </a:pPr>
                 <a:r>
                   <a:rPr/>
-                  <a:t>予測の確信度が高いものから順にマスクを解除 (</a:t>
+                  <a:t>予測トークンを一度サンプルした後、次の時刻に合わせて一部を再マスク (</a:t>
                 </a:r>
                 <a:r>
                   <a:rPr b="1"/>
@@ -5762,8 +5588,15 @@
                 </a:r>
               </a:p>
               <a:p>
+                <a:pPr lvl="1"/>
+                <a:r>
+                  <a:rPr/>
+                  <a:t>低確信度のトークンほど再マスクされやすい（後のステップで修正の余地を残す）</a:t>
+                </a:r>
+              </a:p>
+              <a:p>
                 <a:pPr lvl="1" indent="-342900" marL="685800">
-                  <a:buAutoNum type="arabicPeriod"/>
+                  <a:buAutoNum startAt="4" type="arabicPeriod"/>
                 </a:pPr>
                 <a14:m>
                   <m:oMath xmlns:m="http://schemas.openxmlformats.org/officeDocument/2006/math">
@@ -5800,13 +5633,6 @@
                   <a:t> を得る</a:t>
                 </a:r>
               </a:p>
-              <a:p>
-                <a:pPr lvl="0"/>
-                <a:r>
-                  <a:rPr/>
-                  <a:t>remaskingにより、低確信度の予測を後のステップで修正可能</a:t>
-                </a:r>
-              </a:p>
             </p:txBody>
           </p:sp>
         </mc:Choice>
@@ -5868,8 +5694,8 @@
         </p:nvSpPr>
         <p:spPr>
           <a:xfrm>
-            <a:off x="457200" y="205979"/>
-            <a:ext cx="8229600" cy="640408"/>
+            <a:off x="457200" y="102393"/>
+            <a:ext cx="8229600" cy="585296"/>
           </a:xfrm>
         </p:spPr>
         <p:txBody>
@@ -5881,7 +5707,7 @@
             </a:pPr>
             <a:r>
               <a:rPr/>
-              <a:t>メカニズム: 目的関数 (ELBO)</a:t>
+              <a:t>メカニズム: 目的関数 (NLL上界の最小化)</a:t>
             </a:r>
           </a:p>
         </p:txBody>
@@ -5903,13 +5729,6 @@
               <a:bodyPr/>
               <a:lstStyle/>
               <a:p>
-                <a:pPr lvl="0"/>
-                <a:r>
-                  <a:rPr/>
-                  <a:t>変分下界 (ELBO) を最大化:</a:t>
-                </a:r>
-              </a:p>
-              <a:p>
                 <a:pPr lvl="0" indent="0" marL="0">
                   <a:buNone/>
                 </a:pPr>
@@ -5919,31 +5738,37 @@
                       <m:jc m:val="center"/>
                     </m:oMathParaPr>
                     <m:oMath>
-                      <m:sSub>
+                      <m:r>
+                        <m:rPr>
+                          <m:sty m:val="p"/>
+                          <m:scr m:val="script"/>
+                        </m:rPr>
+                        <m:t>L</m:t>
+                      </m:r>
+                      <m:d>
+                        <m:dPr>
+                          <m:begChr m:val="("/>
+                          <m:sepChr m:val=""/>
+                          <m:endChr m:val=")"/>
+                          <m:grow/>
+                        </m:dPr>
                         <m:e>
                           <m:r>
-                            <m:rPr>
-                              <m:sty m:val="p"/>
-                              <m:scr m:val="script"/>
-                            </m:rPr>
-                            <m:t>L</m:t>
+                            <m:t>θ</m:t>
                           </m:r>
                         </m:e>
-                        <m:sub>
-                          <m:r>
-                            <m:rPr>
-                              <m:nor/>
-                              <m:sty m:val="p"/>
-                            </m:rPr>
-                            <m:t>ELBO</m:t>
-                          </m:r>
-                        </m:sub>
-                      </m:sSub>
+                      </m:d>
                       <m:r>
                         <m:rPr>
                           <m:sty m:val="p"/>
                         </m:rPr>
                         <m:t>=</m:t>
+                      </m:r>
+                      <m:r>
+                        <m:rPr>
+                          <m:sty m:val="p"/>
+                        </m:rPr>
+                        <m:t>−</m:t>
                       </m:r>
                       <m:sSub>
                         <m:e>
@@ -5965,55 +5790,36 @@
                             </m:rPr>
                             <m:t>,</m:t>
                           </m:r>
+                          <m:sSub>
+                            <m:e>
+                              <m:r>
+                                <m:t>x</m:t>
+                              </m:r>
+                            </m:e>
+                            <m:sub>
+                              <m:r>
+                                <m:t>0</m:t>
+                              </m:r>
+                            </m:sub>
+                          </m:sSub>
                           <m:r>
-                            <m:t>q</m:t>
+                            <m:rPr>
+                              <m:sty m:val="p"/>
+                            </m:rPr>
+                            <m:t>,</m:t>
                           </m:r>
-                          <m:d>
-                            <m:dPr>
-                              <m:begChr m:val="("/>
-                              <m:sepChr m:val=""/>
-                              <m:endChr m:val=")"/>
-                              <m:grow/>
-                            </m:dPr>
+                          <m:sSub>
                             <m:e>
-                              <m:sSub>
-                                <m:e>
-                                  <m:r>
-                                    <m:rPr>
-                                      <m:sty m:val="b"/>
-                                    </m:rPr>
-                                    <m:t>x</m:t>
-                                  </m:r>
-                                </m:e>
-                                <m:sub>
-                                  <m:r>
-                                    <m:t>t</m:t>
-                                  </m:r>
-                                </m:sub>
-                              </m:sSub>
                               <m:r>
-                                <m:rPr>
-                                  <m:sty m:val="p"/>
-                                </m:rPr>
-                                <m:t>|</m:t>
+                                <m:t>x</m:t>
                               </m:r>
-                              <m:sSub>
-                                <m:e>
-                                  <m:r>
-                                    <m:rPr>
-                                      <m:sty m:val="b"/>
-                                    </m:rPr>
-                                    <m:t>x</m:t>
-                                  </m:r>
-                                </m:e>
-                                <m:sub>
-                                  <m:r>
-                                    <m:t>0</m:t>
-                                  </m:r>
-                                </m:sub>
-                              </m:sSub>
                             </m:e>
-                          </m:d>
+                            <m:sub>
+                              <m:r>
+                                <m:t>t</m:t>
+                              </m:r>
+                            </m:sub>
+                          </m:sSub>
                         </m:sub>
                       </m:sSub>
                       <m:d>
@@ -6054,8 +5860,34 @@
                                 <m:rPr>
                                   <m:sty m:val="p"/>
                                 </m:rPr>
-                                <m:t>:</m:t>
+                                <m:t>=</m:t>
                               </m:r>
+                              <m:r>
+                                <m:t>1</m:t>
+                              </m:r>
+                            </m:sub>
+                            <m:sup>
+                              <m:r>
+                                <m:t>​</m:t>
+                              </m:r>
+                            </m:sup>
+                            <m:e>
+                              <m:r>
+                                <m:rPr>
+                                  <m:sty m:val="b"/>
+                                </m:rPr>
+                                <m:t>1</m:t>
+                              </m:r>
+                            </m:e>
+                          </m:nary>
+                          <m:d>
+                            <m:dPr>
+                              <m:begChr m:val="["/>
+                              <m:sepChr m:val=""/>
+                              <m:endChr m:val="]"/>
+                              <m:grow/>
+                            </m:dPr>
+                            <m:e>
                               <m:sSubSup>
                                 <m:e>
                                   <m:r>
@@ -6079,38 +5911,21 @@
                                 </m:rPr>
                                 <m:t>=</m:t>
                               </m:r>
-                              <m:d>
-                                <m:dPr>
-                                  <m:begChr m:val="["/>
-                                  <m:sepChr m:val=""/>
-                                  <m:endChr m:val="]"/>
-                                  <m:grow/>
-                                </m:dPr>
-                                <m:e>
-                                  <m:r>
-                                    <m:rPr>
-                                      <m:nor/>
-                                      <m:sty m:val="p"/>
-                                    </m:rPr>
-                                    <m:t>MASK</m:t>
-                                  </m:r>
-                                </m:e>
-                              </m:d>
-                            </m:sub>
-                            <m:sup>
-                              <m:r>
-                                <m:t>​</m:t>
-                              </m:r>
-                            </m:sup>
-                            <m:e>
                               <m:r>
                                 <m:rPr>
+                                  <m:nor/>
                                   <m:sty m:val="p"/>
                                 </m:rPr>
-                                <m:t>log</m:t>
+                                <m:t>M</m:t>
                               </m:r>
                             </m:e>
-                          </m:nary>
+                          </m:d>
+                          <m:r>
+                            <m:rPr>
+                              <m:sty m:val="p"/>
+                            </m:rPr>
+                            <m:t>log</m:t>
+                          </m:r>
                           <m:sSub>
                             <m:e>
                               <m:r>
@@ -6178,14 +5993,16 @@
                 </a14:m>
               </a:p>
               <a:p>
-                <a:pPr lvl="0"/>
+                <a:pPr lvl="0" indent="0" marL="0">
+                  <a:buNone/>
+                </a:pPr>
                 <a:r>
                   <a:rPr/>
-                  <a:t>各項の役割:</a:t>
+                  <a:t>各項の役割</a:t>
                 </a:r>
               </a:p>
               <a:p>
-                <a:pPr lvl="1"/>
+                <a:pPr lvl="0"/>
                 <a14:m>
                   <m:oMath xmlns:m="http://schemas.openxmlformats.org/officeDocument/2006/math">
                     <m:f>
@@ -6211,26 +6028,23 @@
                 </a:r>
               </a:p>
               <a:p>
-                <a:pPr lvl="1"/>
+                <a:pPr lvl="0"/>
                 <a14:m>
                   <m:oMath xmlns:m="http://schemas.openxmlformats.org/officeDocument/2006/math">
-                    <m:nary>
-                      <m:naryPr>
-                        <m:chr m:val="∑"/>
-                        <m:limLoc m:val="undOvr"/>
-                        <m:subHide m:val="off"/>
-                        <m:supHide m:val="on"/>
-                      </m:naryPr>
-                      <m:sub>
-                        <m:r>
-                          <m:t>i</m:t>
-                        </m:r>
-                        <m:r>
-                          <m:rPr>
-                            <m:sty m:val="p"/>
-                          </m:rPr>
-                          <m:t>:</m:t>
-                        </m:r>
+                    <m:r>
+                      <m:rPr>
+                        <m:sty m:val="b"/>
+                      </m:rPr>
+                      <m:t>1</m:t>
+                    </m:r>
+                    <m:d>
+                      <m:dPr>
+                        <m:begChr m:val="["/>
+                        <m:sepChr m:val=""/>
+                        <m:endChr m:val="]"/>
+                        <m:grow/>
+                      </m:dPr>
+                      <m:e>
                         <m:sSubSup>
                           <m:e>
                             <m:r>
@@ -6254,35 +6068,15 @@
                           </m:rPr>
                           <m:t>=</m:t>
                         </m:r>
-                        <m:d>
-                          <m:dPr>
-                            <m:begChr m:val="["/>
-                            <m:sepChr m:val=""/>
-                            <m:endChr m:val="]"/>
-                            <m:grow/>
-                          </m:dPr>
-                          <m:e>
-                            <m:r>
-                              <m:rPr>
-                                <m:nor/>
-                                <m:sty m:val="p"/>
-                              </m:rPr>
-                              <m:t>MASK</m:t>
-                            </m:r>
-                          </m:e>
-                        </m:d>
-                      </m:sub>
-                      <m:sup>
                         <m:r>
-                          <m:t>​</m:t>
-                        </m:r>
-                      </m:sup>
-                      <m:e>
-                        <m:r>
-                          <m:t>​</m:t>
+                          <m:rPr>
+                            <m:nor/>
+                            <m:sty m:val="p"/>
+                          </m:rPr>
+                          <m:t>M</m:t>
                         </m:r>
                       </m:e>
-                    </m:nary>
+                    </m:d>
                   </m:oMath>
                 </a14:m>
                 <a:r>
@@ -6291,7 +6085,7 @@
                 </a:r>
               </a:p>
               <a:p>
-                <a:pPr lvl="1"/>
+                <a:pPr lvl="0"/>
                 <a14:m>
                   <m:oMath xmlns:m="http://schemas.openxmlformats.org/officeDocument/2006/math">
                     <m:r>
@@ -6368,7 +6162,9 @@
                 </a:r>
               </a:p>
               <a:p>
-                <a:pPr lvl="0"/>
+                <a:pPr lvl="0" indent="0" marL="0">
+                  <a:buNone/>
+                </a:pPr>
                 <a:r>
                   <a:rPr/>
                   <a:t>ARMの次トークン予測損失の自然な拡張とみなせる</a:t>
@@ -6435,8 +6231,8 @@
         </p:nvSpPr>
         <p:spPr>
           <a:xfrm>
-            <a:off x="457200" y="205979"/>
-            <a:ext cx="8229600" cy="640408"/>
+            <a:off x="457200" y="102393"/>
+            <a:ext cx="8229600" cy="585296"/>
           </a:xfrm>
         </p:spPr>
         <p:txBody>
@@ -6471,47 +6267,28 @@
             <a:pPr lvl="0"/>
             <a:r>
               <a:rPr/>
-              <a:t>Transformer をバックボーンとして使用（LLaMA と同様の構造）</a:t>
+              <a:t>LLaMAと同様Transformerをバックボーンとして使用</a:t>
             </a:r>
           </a:p>
           <a:p>
             <a:pPr lvl="1"/>
             <a:r>
-              <a:rPr b="1"/>
-              <a:t>双方向 attention</a:t>
-            </a:r>
-            <a:r>
-              <a:rPr/>
-              <a:t> を採用（ARMの causal mask は使わない）</a:t>
-            </a:r>
-          </a:p>
-          <a:p>
-            <a:pPr lvl="1"/>
-            <a:r>
-              <a:rPr/>
-              <a:t>RMSNorm、SwiGLU、RoPE などの標準的なコンポーネントを利用</a:t>
+              <a:rPr/>
+              <a:t>multi-head attention を採用（ARMの causal mask は使わない）</a:t>
             </a:r>
           </a:p>
           <a:p>
             <a:pPr lvl="0"/>
             <a:r>
               <a:rPr/>
-              <a:t>モデルサイズ: 0.04B / 0.1B / 0.4B / 1.1B / </a:t>
-            </a:r>
-            <a:r>
-              <a:rPr b="1"/>
-              <a:t>8B</a:t>
-            </a:r>
-            <a:r>
-              <a:rPr/>
-              <a:t> の5段階で検証</a:t>
+              <a:t>モデルサイズ: 1B / 8B の2段階で検証</a:t>
             </a:r>
           </a:p>
           <a:p>
             <a:pPr lvl="0"/>
             <a:r>
               <a:rPr/>
-              <a:t>学習データ: 2.3Tトークン (英語・中国語・コード)</a:t>
+              <a:t>学習データ: 2.3Tトークン (英語・中国語・コード)で事前学習</a:t>
             </a:r>
           </a:p>
         </p:txBody>
@@ -6616,14 +6393,14 @@
             <a:pPr lvl="0"/>
             <a:r>
               <a:rPr/>
-              <a:t>MMLU、ARC-C、PIQA 等の一般タスクでは同等のスケーリング傾向</a:t>
+              <a:t>MMLU、GSM8Kで特に高いscalability</a:t>
             </a:r>
           </a:p>
           <a:p>
             <a:pPr lvl="0"/>
             <a:r>
               <a:rPr/>
-              <a:t>GSM8K、HumanEval ではARMに比べやや劣るが、スケールに伴い改善傾向</a:t>
+              <a:t>比較的ARMに劣るPIQAでもスケールに伴い改善傾向</a:t>
             </a:r>
           </a:p>
         </p:txBody>
